--- a/assets/img/ppt/Azure Kubernetes Service HACKATON.pptx
+++ b/assets/img/ppt/Azure Kubernetes Service HACKATON.pptx
@@ -4906,7 +4906,7 @@
         </p:blipFill>
         <p:spPr>
           <a:xfrm>
-            <a:off x="600456" y="412377"/>
+            <a:off x="6083609" y="377829"/>
             <a:ext cx="2647399" cy="3162778"/>
           </a:xfrm>
           <a:prstGeom prst="rect">
@@ -5201,42 +5201,7 @@
         </p:blipFill>
         <p:spPr>
           <a:xfrm>
-            <a:off x="3343738" y="412377"/>
-            <a:ext cx="2647399" cy="3162778"/>
-          </a:xfrm>
-          <a:prstGeom prst="rect">
-            <a:avLst/>
-          </a:prstGeom>
-        </p:spPr>
-      </p:pic>
-      <p:pic>
-        <p:nvPicPr>
-          <p:cNvPr id="14" name="Picture 13" descr="A person smiling for the camera&#10;&#10;Description automatically generated">
-            <a:extLst>
-              <a:ext uri="{FF2B5EF4-FFF2-40B4-BE49-F238E27FC236}">
-                <a16:creationId xmlns:a16="http://schemas.microsoft.com/office/drawing/2014/main" id="{C72B1917-030A-41E3-8ADE-0648534C99F0}"/>
-              </a:ext>
-            </a:extLst>
-          </p:cNvPr>
-          <p:cNvPicPr>
-            <a:picLocks noChangeAspect="1"/>
-          </p:cNvPicPr>
-          <p:nvPr/>
-        </p:nvPicPr>
-        <p:blipFill rotWithShape="1">
-          <a:blip r:embed="rId4">
-            <a:extLst>
-              <a:ext uri="{28A0092B-C50C-407E-A947-70E740481C1C}">
-                <a14:useLocalDpi xmlns:a14="http://schemas.microsoft.com/office/drawing/2010/main" val="0"/>
-              </a:ext>
-            </a:extLst>
-          </a:blip>
-          <a:srcRect t="10399" r="4" b="4"/>
-          <a:stretch/>
-        </p:blipFill>
-        <p:spPr>
-          <a:xfrm>
-            <a:off x="6087020" y="412377"/>
+            <a:off x="3336916" y="377829"/>
             <a:ext cx="2647399" cy="3162778"/>
           </a:xfrm>
           <a:prstGeom prst="rect">
@@ -5259,7 +5224,7 @@
           <p:nvPr/>
         </p:nvPicPr>
         <p:blipFill rotWithShape="1">
-          <a:blip r:embed="rId5">
+          <a:blip r:embed="rId4">
             <a:extLst>
               <a:ext uri="{28A0092B-C50C-407E-A947-70E740481C1C}">
                 <a14:useLocalDpi xmlns:a14="http://schemas.microsoft.com/office/drawing/2010/main" val="0"/>
@@ -5271,7 +5236,7 @@
         </p:blipFill>
         <p:spPr bwMode="auto">
           <a:xfrm>
-            <a:off x="8830303" y="412377"/>
+            <a:off x="8830303" y="377829"/>
             <a:ext cx="2647399" cy="3162778"/>
           </a:xfrm>
           <a:prstGeom prst="rect">
@@ -6128,7 +6093,7 @@
         </p:nvSpPr>
         <p:spPr>
           <a:xfrm>
-            <a:off x="8830303" y="3258878"/>
+            <a:off x="8830303" y="3281119"/>
             <a:ext cx="2647399" cy="316277"/>
           </a:xfrm>
           <a:prstGeom prst="rect">
@@ -6167,10 +6132,10 @@
       </p:sp>
       <p:sp>
         <p:nvSpPr>
-          <p:cNvPr id="11" name="TextBox 10">
-            <a:extLst>
-              <a:ext uri="{FF2B5EF4-FFF2-40B4-BE49-F238E27FC236}">
-                <a16:creationId xmlns:a16="http://schemas.microsoft.com/office/drawing/2014/main" id="{0A4D8F71-3162-4B0D-BF3C-5C52DAD57E00}"/>
+          <p:cNvPr id="12" name="TextBox 11">
+            <a:extLst>
+              <a:ext uri="{FF2B5EF4-FFF2-40B4-BE49-F238E27FC236}">
+                <a16:creationId xmlns:a16="http://schemas.microsoft.com/office/drawing/2014/main" id="{6D1704AB-02D1-491D-919D-C22311756094}"/>
               </a:ext>
             </a:extLst>
           </p:cNvPr>
@@ -6179,7 +6144,7 @@
         </p:nvSpPr>
         <p:spPr>
           <a:xfrm>
-            <a:off x="600456" y="3258878"/>
+            <a:off x="6087020" y="3281119"/>
             <a:ext cx="2647399" cy="316277"/>
           </a:xfrm>
           <a:prstGeom prst="rect">
@@ -6206,22 +6171,22 @@
               </a:spcAft>
             </a:pPr>
             <a:r>
-              <a:rPr lang="en-US" sz="1400">
+              <a:rPr lang="en-US" sz="1400" dirty="0">
                 <a:solidFill>
                   <a:srgbClr val="FFFFFF"/>
                 </a:solidFill>
               </a:rPr>
-              <a:t>Saurabh Vartak – CSA</a:t>
-            </a:r>
-          </a:p>
-        </p:txBody>
-      </p:sp>
-      <p:sp>
-        <p:nvSpPr>
-          <p:cNvPr id="12" name="TextBox 11">
-            <a:extLst>
-              <a:ext uri="{FF2B5EF4-FFF2-40B4-BE49-F238E27FC236}">
-                <a16:creationId xmlns:a16="http://schemas.microsoft.com/office/drawing/2014/main" id="{6D1704AB-02D1-491D-919D-C22311756094}"/>
+              <a:t>Saurabh Vartak – CSA-P</a:t>
+            </a:r>
+          </a:p>
+        </p:txBody>
+      </p:sp>
+      <p:sp>
+        <p:nvSpPr>
+          <p:cNvPr id="17" name="TextBox 16">
+            <a:extLst>
+              <a:ext uri="{FF2B5EF4-FFF2-40B4-BE49-F238E27FC236}">
+                <a16:creationId xmlns:a16="http://schemas.microsoft.com/office/drawing/2014/main" id="{BE53D0A9-2FCF-49AE-959A-7918B10E4873}"/>
               </a:ext>
             </a:extLst>
           </p:cNvPr>
@@ -6230,7 +6195,7 @@
         </p:nvSpPr>
         <p:spPr>
           <a:xfrm>
-            <a:off x="6087020" y="3258878"/>
+            <a:off x="3343738" y="3281119"/>
             <a:ext cx="2647399" cy="316277"/>
           </a:xfrm>
           <a:prstGeom prst="rect">
@@ -6257,57 +6222,6 @@
               </a:spcAft>
             </a:pPr>
             <a:r>
-              <a:rPr lang="en-US" sz="1400">
-                <a:solidFill>
-                  <a:srgbClr val="FFFFFF"/>
-                </a:solidFill>
-              </a:rPr>
-              <a:t>Sumit Kute – CSA-P</a:t>
-            </a:r>
-          </a:p>
-        </p:txBody>
-      </p:sp>
-      <p:sp>
-        <p:nvSpPr>
-          <p:cNvPr id="17" name="TextBox 16">
-            <a:extLst>
-              <a:ext uri="{FF2B5EF4-FFF2-40B4-BE49-F238E27FC236}">
-                <a16:creationId xmlns:a16="http://schemas.microsoft.com/office/drawing/2014/main" id="{BE53D0A9-2FCF-49AE-959A-7918B10E4873}"/>
-              </a:ext>
-            </a:extLst>
-          </p:cNvPr>
-          <p:cNvSpPr txBox="1"/>
-          <p:nvPr/>
-        </p:nvSpPr>
-        <p:spPr>
-          <a:xfrm>
-            <a:off x="3343737" y="3281119"/>
-            <a:ext cx="2647399" cy="316277"/>
-          </a:xfrm>
-          <a:prstGeom prst="rect">
-            <a:avLst/>
-          </a:prstGeom>
-          <a:solidFill>
-            <a:srgbClr val="000000">
-              <a:alpha val="50000"/>
-            </a:srgbClr>
-          </a:solidFill>
-          <a:ln>
-            <a:noFill/>
-          </a:ln>
-        </p:spPr>
-        <p:txBody>
-          <a:bodyPr wrap="square" rtlCol="0">
-            <a:normAutofit/>
-          </a:bodyPr>
-          <a:lstStyle/>
-          <a:p>
-            <a:pPr algn="ctr">
-              <a:spcAft>
-                <a:spcPts val="600"/>
-              </a:spcAft>
-            </a:pPr>
-            <a:r>
               <a:rPr lang="en-US" sz="1400" dirty="0">
                 <a:solidFill>
                   <a:srgbClr val="FFFFFF"/>
@@ -6333,7 +6247,7 @@
           <p:nvPr/>
         </p:nvPicPr>
         <p:blipFill>
-          <a:blip r:embed="rId6">
+          <a:blip r:embed="rId5">
             <a:extLst>
               <a:ext uri="{28A0092B-C50C-407E-A947-70E740481C1C}">
                 <a14:useLocalDpi xmlns:a14="http://schemas.microsoft.com/office/drawing/2010/main" val="0"/>
@@ -6412,6 +6326,92 @@
                 </a:solidFill>
               </a:rPr>
               <a:t>Shiva Tomar - CSA</a:t>
+            </a:r>
+          </a:p>
+        </p:txBody>
+      </p:sp>
+      <p:pic>
+        <p:nvPicPr>
+          <p:cNvPr id="6" name="Picture 5" descr="A person standing in a room&#10;&#10;Description automatically generated">
+            <a:extLst>
+              <a:ext uri="{FF2B5EF4-FFF2-40B4-BE49-F238E27FC236}">
+                <a16:creationId xmlns:a16="http://schemas.microsoft.com/office/drawing/2014/main" id="{44491797-ABCA-4D56-A0EB-E0AC650CE5E5}"/>
+              </a:ext>
+            </a:extLst>
+          </p:cNvPr>
+          <p:cNvPicPr>
+            <a:picLocks noChangeAspect="1"/>
+          </p:cNvPicPr>
+          <p:nvPr/>
+        </p:nvPicPr>
+        <p:blipFill rotWithShape="1">
+          <a:blip r:embed="rId6">
+            <a:extLst>
+              <a:ext uri="{28A0092B-C50C-407E-A947-70E740481C1C}">
+                <a14:useLocalDpi xmlns:a14="http://schemas.microsoft.com/office/drawing/2010/main" val="0"/>
+              </a:ext>
+            </a:extLst>
+          </a:blip>
+          <a:srcRect l="32467" t="12877" r="26159" b="52243"/>
+          <a:stretch/>
+        </p:blipFill>
+        <p:spPr>
+          <a:xfrm>
+            <a:off x="585862" y="377829"/>
+            <a:ext cx="2651760" cy="3284872"/>
+          </a:xfrm>
+          <a:prstGeom prst="rect">
+            <a:avLst/>
+          </a:prstGeom>
+        </p:spPr>
+      </p:pic>
+      <p:sp>
+        <p:nvSpPr>
+          <p:cNvPr id="11" name="TextBox 10">
+            <a:extLst>
+              <a:ext uri="{FF2B5EF4-FFF2-40B4-BE49-F238E27FC236}">
+                <a16:creationId xmlns:a16="http://schemas.microsoft.com/office/drawing/2014/main" id="{0A4D8F71-3162-4B0D-BF3C-5C52DAD57E00}"/>
+              </a:ext>
+            </a:extLst>
+          </p:cNvPr>
+          <p:cNvSpPr txBox="1"/>
+          <p:nvPr/>
+        </p:nvSpPr>
+        <p:spPr>
+          <a:xfrm>
+            <a:off x="600456" y="3281119"/>
+            <a:ext cx="2647399" cy="316277"/>
+          </a:xfrm>
+          <a:prstGeom prst="rect">
+            <a:avLst/>
+          </a:prstGeom>
+          <a:solidFill>
+            <a:srgbClr val="000000">
+              <a:alpha val="50000"/>
+            </a:srgbClr>
+          </a:solidFill>
+          <a:ln>
+            <a:noFill/>
+          </a:ln>
+        </p:spPr>
+        <p:txBody>
+          <a:bodyPr wrap="square" rtlCol="0">
+            <a:normAutofit/>
+          </a:bodyPr>
+          <a:lstStyle/>
+          <a:p>
+            <a:pPr algn="ctr">
+              <a:spcAft>
+                <a:spcPts val="600"/>
+              </a:spcAft>
+            </a:pPr>
+            <a:r>
+              <a:rPr lang="en-US" sz="1400" dirty="0">
+                <a:solidFill>
+                  <a:srgbClr val="FFFFFF"/>
+                </a:solidFill>
+              </a:rPr>
+              <a:t>Sumit Kute – CSA</a:t>
             </a:r>
           </a:p>
         </p:txBody>
